--- a/Clase 2/Clase 2.pptx
+++ b/Clase 2/Clase 2.pptx
@@ -227,7 +227,7 @@
           <a:p>
             <a:fld id="{7E41F15F-CFF1-4FA0-9EAD-88C7CBDFB4C6}" type="datetimeFigureOut">
               <a:rPr lang="es-AR" smtClean="0"/>
-              <a:t>30/10/2024</a:t>
+              <a:t>26/11/2024</a:t>
             </a:fld>
             <a:endParaRPr lang="es-AR"/>
           </a:p>
@@ -1029,7 +1029,7 @@
             <a:fld id="{1D8BD707-D9CF-40AE-B4C6-C98DA3205C09}" type="datetimeFigureOut">
               <a:rPr lang="en-US" smtClean="0"/>
               <a:pPr/>
-              <a:t>10/30/2024</a:t>
+              <a:t>11/26/2024</a:t>
             </a:fld>
             <a:endParaRPr lang="en-US"/>
           </a:p>
@@ -1194,7 +1194,7 @@
             <a:fld id="{1D8BD707-D9CF-40AE-B4C6-C98DA3205C09}" type="datetimeFigureOut">
               <a:rPr lang="en-US" smtClean="0"/>
               <a:pPr/>
-              <a:t>10/30/2024</a:t>
+              <a:t>11/26/2024</a:t>
             </a:fld>
             <a:endParaRPr lang="en-US"/>
           </a:p>
@@ -1369,7 +1369,7 @@
             <a:fld id="{1D8BD707-D9CF-40AE-B4C6-C98DA3205C09}" type="datetimeFigureOut">
               <a:rPr lang="en-US" smtClean="0"/>
               <a:pPr/>
-              <a:t>10/30/2024</a:t>
+              <a:t>11/26/2024</a:t>
             </a:fld>
             <a:endParaRPr lang="en-US"/>
           </a:p>
@@ -1534,7 +1534,7 @@
             <a:fld id="{1D8BD707-D9CF-40AE-B4C6-C98DA3205C09}" type="datetimeFigureOut">
               <a:rPr lang="en-US" smtClean="0"/>
               <a:pPr/>
-              <a:t>10/30/2024</a:t>
+              <a:t>11/26/2024</a:t>
             </a:fld>
             <a:endParaRPr lang="en-US"/>
           </a:p>
@@ -1776,7 +1776,7 @@
             <a:fld id="{1D8BD707-D9CF-40AE-B4C6-C98DA3205C09}" type="datetimeFigureOut">
               <a:rPr lang="en-US" smtClean="0"/>
               <a:pPr/>
-              <a:t>10/30/2024</a:t>
+              <a:t>11/26/2024</a:t>
             </a:fld>
             <a:endParaRPr lang="en-US"/>
           </a:p>
@@ -2058,7 +2058,7 @@
             <a:fld id="{1D8BD707-D9CF-40AE-B4C6-C98DA3205C09}" type="datetimeFigureOut">
               <a:rPr lang="en-US" smtClean="0"/>
               <a:pPr/>
-              <a:t>10/30/2024</a:t>
+              <a:t>11/26/2024</a:t>
             </a:fld>
             <a:endParaRPr lang="en-US"/>
           </a:p>
@@ -2474,7 +2474,7 @@
             <a:fld id="{1D8BD707-D9CF-40AE-B4C6-C98DA3205C09}" type="datetimeFigureOut">
               <a:rPr lang="en-US" smtClean="0"/>
               <a:pPr/>
-              <a:t>10/30/2024</a:t>
+              <a:t>11/26/2024</a:t>
             </a:fld>
             <a:endParaRPr lang="en-US"/>
           </a:p>
@@ -2588,7 +2588,7 @@
             <a:fld id="{1D8BD707-D9CF-40AE-B4C6-C98DA3205C09}" type="datetimeFigureOut">
               <a:rPr lang="en-US" smtClean="0"/>
               <a:pPr/>
-              <a:t>10/30/2024</a:t>
+              <a:t>11/26/2024</a:t>
             </a:fld>
             <a:endParaRPr lang="en-US"/>
           </a:p>
@@ -2680,7 +2680,7 @@
             <a:fld id="{1D8BD707-D9CF-40AE-B4C6-C98DA3205C09}" type="datetimeFigureOut">
               <a:rPr lang="en-US" smtClean="0"/>
               <a:pPr/>
-              <a:t>10/30/2024</a:t>
+              <a:t>11/26/2024</a:t>
             </a:fld>
             <a:endParaRPr lang="en-US"/>
           </a:p>
@@ -2952,7 +2952,7 @@
             <a:fld id="{1D8BD707-D9CF-40AE-B4C6-C98DA3205C09}" type="datetimeFigureOut">
               <a:rPr lang="en-US" smtClean="0"/>
               <a:pPr/>
-              <a:t>10/30/2024</a:t>
+              <a:t>11/26/2024</a:t>
             </a:fld>
             <a:endParaRPr lang="en-US"/>
           </a:p>
@@ -3201,7 +3201,7 @@
             <a:fld id="{1D8BD707-D9CF-40AE-B4C6-C98DA3205C09}" type="datetimeFigureOut">
               <a:rPr lang="en-US" smtClean="0"/>
               <a:pPr/>
-              <a:t>10/30/2024</a:t>
+              <a:t>11/26/2024</a:t>
             </a:fld>
             <a:endParaRPr lang="en-US"/>
           </a:p>
@@ -3409,7 +3409,7 @@
             <a:fld id="{1D8BD707-D9CF-40AE-B4C6-C98DA3205C09}" type="datetimeFigureOut">
               <a:rPr lang="en-US" smtClean="0"/>
               <a:pPr/>
-              <a:t>10/30/2024</a:t>
+              <a:t>11/26/2024</a:t>
             </a:fld>
             <a:endParaRPr lang="en-US"/>
           </a:p>
@@ -6659,46 +6659,6 @@
       </p:sp>
       <p:sp>
         <p:nvSpPr>
-          <p:cNvPr id="8" name="TextBox 7">
-            <a:extLst>
-              <a:ext uri="{FF2B5EF4-FFF2-40B4-BE49-F238E27FC236}">
-                <a16:creationId xmlns:a16="http://schemas.microsoft.com/office/drawing/2014/main" id="{22FE3E3F-6F3D-82FA-E1D8-D62D61643830}"/>
-              </a:ext>
-            </a:extLst>
-          </p:cNvPr>
-          <p:cNvSpPr txBox="1"/>
-          <p:nvPr/>
-        </p:nvSpPr>
-        <p:spPr>
-          <a:xfrm>
-            <a:off x="8434017" y="6096253"/>
-            <a:ext cx="9128760" cy="1815882"/>
-          </a:xfrm>
-          <a:prstGeom prst="rect">
-            <a:avLst/>
-          </a:prstGeom>
-          <a:noFill/>
-        </p:spPr>
-        <p:txBody>
-          <a:bodyPr wrap="square" rtlCol="0">
-            <a:spAutoFit/>
-          </a:bodyPr>
-          <a:lstStyle/>
-          <a:p>
-            <a:r>
-              <a:rPr lang="es-ES" sz="2800" b="1" dirty="0">
-                <a:latin typeface="Poppins "/>
-              </a:rPr>
-              <a:t>3. En este caso el repositorio es público por lo cual, GitHub no te pedirá autenticación porque cualquier persona puede acceder a esos archivos sin necesidad de una cuenta.”</a:t>
-            </a:r>
-            <a:endParaRPr lang="es-AR" sz="2800" b="1" dirty="0">
-              <a:latin typeface="Poppins "/>
-            </a:endParaRPr>
-          </a:p>
-        </p:txBody>
-      </p:sp>
-      <p:sp>
-        <p:nvSpPr>
           <p:cNvPr id="10" name="TextBox 9">
             <a:extLst>
               <a:ext uri="{FF2B5EF4-FFF2-40B4-BE49-F238E27FC236}">
@@ -6711,8 +6671,8 @@
         </p:nvSpPr>
         <p:spPr>
           <a:xfrm>
-            <a:off x="388620" y="8292405"/>
-            <a:ext cx="6941820" cy="1384995"/>
+            <a:off x="2560320" y="7860345"/>
+            <a:ext cx="10546080" cy="954107"/>
           </a:xfrm>
           <a:prstGeom prst="rect">
             <a:avLst/>
